--- a/27_sep/updated/Crop_Recommender_Final_Cleaned_Presentation (1).pptx
+++ b/27_sep/updated/Crop_Recommender_Final_Cleaned_Presentation (1).pptx
@@ -134,15 +134,6 @@
     </p:ext>
   </p:extLst>
 </p:presentation>
-</file>
-
-<file path=ppt/revisionInfo.xml><?xml version="1.0" encoding="utf-8"?>
-<p1510:revInfo xmlns:a="http://schemas.openxmlformats.org/drawingml/2006/main" xmlns:r="http://schemas.openxmlformats.org/officeDocument/2006/relationships" xmlns:p1510="http://schemas.microsoft.com/office/powerpoint/2015/10/main">
-  <p1510:revLst>
-    <p1510:client id="{087E94F7-9EE5-7BB1-ACE1-2F0CAD86C0C8}" v="3" dt="2025-09-20T13:20:49.293"/>
-    <p1510:client id="{1DF339D5-47DC-4DEB-82C3-C5162B768746}" v="4" dt="2025-09-20T13:18:11.463"/>
-  </p1510:revLst>
-</p1510:revInfo>
 </file>
 
 <file path=ppt/slideLayouts/slideLayout1.xml><?xml version="1.0" encoding="utf-8"?>
@@ -3828,7 +3819,7 @@
         <p:spPr>
           <a:xfrm>
             <a:off x="457200" y="1600200"/>
-            <a:ext cx="8229600" cy="4525963"/>
+            <a:ext cx="4537781" cy="923330"/>
           </a:xfrm>
           <a:prstGeom prst="rect">
             <a:avLst/>
@@ -3842,16 +3833,26 @@
           <a:lstStyle/>
           <a:p>
             <a:r>
+              <a:rPr dirty="0"/>
               <a:t>Source: Kaggle Crop Recommendation Dataset</a:t>
             </a:r>
           </a:p>
           <a:p>
             <a:r>
-              <a:t>Features: N, P, K, temperature, humidity, pH, rainfall</a:t>
-            </a:r>
-          </a:p>
-          <a:p>
-            <a:r>
+              <a:rPr dirty="0"/>
+              <a:t>Features: N, P, K, </a:t>
+            </a:r>
+            <a:r>
+              <a:t>temperature, </a:t>
+            </a:r>
+            <a:r>
+              <a:rPr dirty="0"/>
+              <a:t>pH, rainfall</a:t>
+            </a:r>
+          </a:p>
+          <a:p>
+            <a:r>
+              <a:rPr dirty="0"/>
               <a:t>Target: Crop label (multi-class)</a:t>
             </a:r>
           </a:p>
